--- a/Download Notes.pptx
+++ b/Download Notes.pptx
@@ -104,6 +104,11 @@
       </a:defRPr>
     </a:lvl9pPr>
   </p:defaultTextStyle>
+  <p:extLst>
+    <p:ext uri="{EFAFB233-063F-42B5-8137-9DF3F51BA10A}">
+      <p15:sldGuideLst xmlns:p15="http://schemas.microsoft.com/office/powerpoint/2012/main"/>
+    </p:ext>
+  </p:extLst>
 </p:presentation>
 </file>
 
@@ -3374,7 +3379,7 @@
               <a:rPr lang="en-US" dirty="0">
                 <a:hlinkClick r:id="rId2"/>
               </a:rPr>
-              <a:t>https://bit.ly/3bKG6VW</a:t>
+              <a:t>https://bit.ly/3tk3Beu</a:t>
             </a:r>
             <a:endParaRPr lang="en-US" dirty="0"/>
           </a:p>
